--- a/mod4presentation.pptx
+++ b/mod4presentation.pptx
@@ -5,7 +5,7 @@
     <p:sldMasterId id="2147483712" r:id="rId4"/>
   </p:sldMasterIdLst>
   <p:notesMasterIdLst>
-    <p:notesMasterId r:id="rId14"/>
+    <p:notesMasterId r:id="rId15"/>
   </p:notesMasterIdLst>
   <p:sldIdLst>
     <p:sldId id="257" r:id="rId5"/>
@@ -15,8 +15,9 @@
     <p:sldId id="261" r:id="rId9"/>
     <p:sldId id="262" r:id="rId10"/>
     <p:sldId id="263" r:id="rId11"/>
-    <p:sldId id="267" r:id="rId12"/>
-    <p:sldId id="268" r:id="rId13"/>
+    <p:sldId id="269" r:id="rId12"/>
+    <p:sldId id="267" r:id="rId13"/>
+    <p:sldId id="268" r:id="rId14"/>
   </p:sldIdLst>
   <p:sldSz cx="12192000" cy="6858000"/>
   <p:notesSz cx="6858000" cy="9144000"/>
@@ -5304,7 +5305,7 @@
           <a:p>
             <a:fld id="{57E00999-6FC8-4DCC-926A-141089F20127}" type="datetimeFigureOut">
               <a:rPr lang="en-US" smtClean="0"/>
-              <a:t>11/3/2020</a:t>
+              <a:t>11/9/2020</a:t>
             </a:fld>
             <a:endParaRPr lang="en-US"/>
           </a:p>
@@ -6152,7 +6153,7 @@
           <a:p>
             <a:fld id="{51ED4B00-5AB9-40A3-A4D3-CC5096885491}" type="slidenum">
               <a:rPr lang="en-US" smtClean="0"/>
-              <a:t>8</a:t>
+              <a:t>9</a:t>
             </a:fld>
             <a:endParaRPr lang="en-US"/>
           </a:p>
@@ -6409,7 +6410,7 @@
           <a:p>
             <a:fld id="{ED291B17-9318-49DB-B28B-6E5994AE9581}" type="datetime1">
               <a:rPr lang="en-US" smtClean="0"/>
-              <a:t>11/3/2020</a:t>
+              <a:t>11/9/2020</a:t>
             </a:fld>
             <a:endParaRPr lang="en-US" dirty="0"/>
           </a:p>
@@ -6612,7 +6613,7 @@
           <a:p>
             <a:fld id="{2CED4963-E985-44C4-B8C4-FDD613B7C2F8}" type="datetime1">
               <a:rPr lang="en-US" smtClean="0"/>
-              <a:t>11/3/2020</a:t>
+              <a:t>11/9/2020</a:t>
             </a:fld>
             <a:endParaRPr lang="en-US" dirty="0"/>
           </a:p>
@@ -6974,7 +6975,7 @@
           <a:p>
             <a:fld id="{ED291B17-9318-49DB-B28B-6E5994AE9581}" type="datetime1">
               <a:rPr lang="en-US" smtClean="0"/>
-              <a:t>11/3/2020</a:t>
+              <a:t>11/9/2020</a:t>
             </a:fld>
             <a:endParaRPr lang="en-US" dirty="0"/>
           </a:p>
@@ -7172,7 +7173,7 @@
           <a:p>
             <a:fld id="{78DD82B9-B8EE-4375-B6FF-88FA6ABB15D9}" type="datetime1">
               <a:rPr lang="en-US" smtClean="0"/>
-              <a:t>11/3/2020</a:t>
+              <a:t>11/9/2020</a:t>
             </a:fld>
             <a:endParaRPr lang="en-US" dirty="0"/>
           </a:p>
@@ -7484,7 +7485,7 @@
           <a:p>
             <a:fld id="{B2497495-0637-405E-AE64-5CC7506D51F5}" type="datetime1">
               <a:rPr lang="en-US" smtClean="0"/>
-              <a:t>11/3/2020</a:t>
+              <a:t>11/9/2020</a:t>
             </a:fld>
             <a:endParaRPr lang="en-US" dirty="0"/>
           </a:p>
@@ -7737,7 +7738,7 @@
           <a:p>
             <a:fld id="{7BFFD690-9426-415D-8B65-26881E07B2D4}" type="datetime1">
               <a:rPr lang="en-US" smtClean="0"/>
-              <a:t>11/3/2020</a:t>
+              <a:t>11/9/2020</a:t>
             </a:fld>
             <a:endParaRPr lang="en-US" dirty="0"/>
           </a:p>
@@ -8159,7 +8160,7 @@
           <a:p>
             <a:fld id="{04C4989A-474C-40DE-95B9-011C28B71673}" type="datetime1">
               <a:rPr lang="en-US" smtClean="0"/>
-              <a:t>11/3/2020</a:t>
+              <a:t>11/9/2020</a:t>
             </a:fld>
             <a:endParaRPr lang="en-US" dirty="0"/>
           </a:p>
@@ -8282,7 +8283,7 @@
           <a:p>
             <a:fld id="{5DB4ED54-5B5E-4A04-93D3-5772E3CE3818}" type="datetime1">
               <a:rPr lang="en-US" smtClean="0"/>
-              <a:t>11/3/2020</a:t>
+              <a:t>11/9/2020</a:t>
             </a:fld>
             <a:endParaRPr lang="en-US" dirty="0"/>
           </a:p>
@@ -8377,7 +8378,7 @@
           <a:p>
             <a:fld id="{4EDE50D6-574B-40AF-946F-D52A04ADE379}" type="datetime1">
               <a:rPr lang="en-US" smtClean="0"/>
-              <a:t>11/3/2020</a:t>
+              <a:t>11/9/2020</a:t>
             </a:fld>
             <a:endParaRPr lang="en-US" dirty="0"/>
           </a:p>
@@ -8754,7 +8755,7 @@
           <a:p>
             <a:fld id="{D82884F1-FFEA-405F-9602-3DCA865EDA4E}" type="datetime1">
               <a:rPr lang="en-US" smtClean="0"/>
-              <a:t>11/3/2020</a:t>
+              <a:t>11/9/2020</a:t>
             </a:fld>
             <a:endParaRPr lang="en-US" dirty="0"/>
           </a:p>
@@ -9047,7 +9048,7 @@
           <a:p>
             <a:fld id="{7E18DB4A-8810-4A10-AD5C-D5E2C667F5B3}" type="datetime1">
               <a:rPr lang="en-US" smtClean="0"/>
-              <a:t>11/3/2020</a:t>
+              <a:t>11/9/2020</a:t>
             </a:fld>
             <a:endParaRPr lang="en-US" dirty="0"/>
           </a:p>
@@ -9262,7 +9263,7 @@
           <a:p>
             <a:fld id="{ED291B17-9318-49DB-B28B-6E5994AE9581}" type="datetime1">
               <a:rPr lang="en-US" smtClean="0"/>
-              <a:t>11/3/2020</a:t>
+              <a:t>11/9/2020</a:t>
             </a:fld>
             <a:endParaRPr lang="en-US" dirty="0"/>
           </a:p>
@@ -10272,6 +10273,123 @@
 </p:sld>
 </file>
 
+<file path=ppt/slides/slide10.xml><?xml version="1.0" encoding="utf-8"?>
+<p:sld xmlns:a="http://schemas.openxmlformats.org/drawingml/2006/main" xmlns:r="http://schemas.openxmlformats.org/officeDocument/2006/relationships" xmlns:p="http://schemas.openxmlformats.org/presentationml/2006/main">
+  <p:cSld>
+    <p:spTree>
+      <p:nvGrpSpPr>
+        <p:cNvPr id="1" name=""/>
+        <p:cNvGrpSpPr/>
+        <p:nvPr/>
+      </p:nvGrpSpPr>
+      <p:grpSpPr>
+        <a:xfrm>
+          <a:off x="0" y="0"/>
+          <a:ext cx="0" cy="0"/>
+          <a:chOff x="0" y="0"/>
+          <a:chExt cx="0" cy="0"/>
+        </a:xfrm>
+      </p:grpSpPr>
+      <p:sp>
+        <p:nvSpPr>
+          <p:cNvPr id="2" name="Title 1">
+            <a:extLst>
+              <a:ext uri="{FF2B5EF4-FFF2-40B4-BE49-F238E27FC236}">
+                <a16:creationId xmlns:a16="http://schemas.microsoft.com/office/drawing/2014/main" id="{22248837-71EF-4938-B717-A5EC92F90FA6}"/>
+              </a:ext>
+            </a:extLst>
+          </p:cNvPr>
+          <p:cNvSpPr>
+            <a:spLocks noGrp="1"/>
+          </p:cNvSpPr>
+          <p:nvPr>
+            <p:ph type="title"/>
+          </p:nvPr>
+        </p:nvSpPr>
+        <p:spPr/>
+        <p:txBody>
+          <a:bodyPr/>
+          <a:lstStyle/>
+          <a:p>
+            <a:r>
+              <a:rPr lang="en-US" dirty="0"/>
+              <a:t>Thank You!</a:t>
+            </a:r>
+          </a:p>
+        </p:txBody>
+      </p:sp>
+      <p:pic>
+        <p:nvPicPr>
+          <p:cNvPr id="7" name="Content Placeholder 6">
+            <a:extLst>
+              <a:ext uri="{FF2B5EF4-FFF2-40B4-BE49-F238E27FC236}">
+                <a16:creationId xmlns:a16="http://schemas.microsoft.com/office/drawing/2014/main" id="{7890D334-048A-4579-A60A-6020E01B2B25}"/>
+              </a:ext>
+            </a:extLst>
+          </p:cNvPr>
+          <p:cNvPicPr>
+            <a:picLocks noGrp="1" noChangeAspect="1"/>
+          </p:cNvPicPr>
+          <p:nvPr>
+            <p:ph idx="1"/>
+          </p:nvPr>
+        </p:nvPicPr>
+        <p:blipFill>
+          <a:blip r:embed="rId2"/>
+          <a:stretch>
+            <a:fillRect/>
+          </a:stretch>
+        </p:blipFill>
+        <p:spPr>
+          <a:xfrm>
+            <a:off x="5079344" y="2527636"/>
+            <a:ext cx="2033311" cy="3013356"/>
+          </a:xfrm>
+        </p:spPr>
+      </p:pic>
+      <p:pic>
+        <p:nvPicPr>
+          <p:cNvPr id="5" name="Picture 4">
+            <a:extLst>
+              <a:ext uri="{FF2B5EF4-FFF2-40B4-BE49-F238E27FC236}">
+                <a16:creationId xmlns:a16="http://schemas.microsoft.com/office/drawing/2014/main" id="{330A1F60-2E8A-4B4C-AFD0-447BE075D59D}"/>
+              </a:ext>
+            </a:extLst>
+          </p:cNvPr>
+          <p:cNvPicPr>
+            <a:picLocks noChangeAspect="1"/>
+          </p:cNvPicPr>
+          <p:nvPr/>
+        </p:nvPicPr>
+        <p:blipFill>
+          <a:blip r:embed="rId3"/>
+          <a:stretch>
+            <a:fillRect/>
+          </a:stretch>
+        </p:blipFill>
+        <p:spPr>
+          <a:xfrm>
+            <a:off x="5785076" y="702156"/>
+            <a:ext cx="621846" cy="615749"/>
+          </a:xfrm>
+          <a:prstGeom prst="rect">
+            <a:avLst/>
+          </a:prstGeom>
+        </p:spPr>
+      </p:pic>
+    </p:spTree>
+    <p:extLst>
+      <p:ext uri="{BB962C8B-B14F-4D97-AF65-F5344CB8AC3E}">
+        <p14:creationId xmlns:p14="http://schemas.microsoft.com/office/powerpoint/2010/main" val="404962495"/>
+      </p:ext>
+    </p:extLst>
+  </p:cSld>
+  <p:clrMapOvr>
+    <a:masterClrMapping/>
+  </p:clrMapOvr>
+</p:sld>
+</file>
+
 <file path=ppt/slides/slide2.xml><?xml version="1.0" encoding="utf-8"?>
 <p:sld xmlns:a="http://schemas.openxmlformats.org/drawingml/2006/main" xmlns:r="http://schemas.openxmlformats.org/officeDocument/2006/relationships" xmlns:p="http://schemas.openxmlformats.org/presentationml/2006/main">
   <p:cSld>
@@ -10458,13 +10576,13 @@
           <a:lstStyle/>
           <a:p>
             <a:r>
-              <a:rPr lang="en-US" dirty="0"/>
+              <a:rPr lang="en-US" sz="2800" dirty="0"/>
               <a:t>Rapidly growing volume of text data</a:t>
             </a:r>
           </a:p>
           <a:p>
             <a:r>
-              <a:rPr lang="en-US" dirty="0"/>
+              <a:rPr lang="en-US" sz="2800" dirty="0"/>
               <a:t>Difficult to analyze</a:t>
             </a:r>
           </a:p>
@@ -10583,13 +10701,13 @@
           <a:lstStyle/>
           <a:p>
             <a:r>
-              <a:rPr lang="en-US" dirty="0"/>
+              <a:rPr lang="en-US" sz="2800" dirty="0"/>
               <a:t>More insight =&gt; Better decision making</a:t>
             </a:r>
           </a:p>
           <a:p>
             <a:r>
-              <a:rPr lang="en-US" dirty="0"/>
+              <a:rPr lang="en-US" sz="2800" dirty="0"/>
               <a:t>Planning Ahead</a:t>
             </a:r>
           </a:p>
@@ -10704,37 +10822,39 @@
         </p:nvSpPr>
         <p:spPr/>
         <p:txBody>
-          <a:bodyPr/>
+          <a:bodyPr>
+            <a:normAutofit/>
+          </a:bodyPr>
           <a:lstStyle/>
           <a:p>
             <a:r>
-              <a:rPr lang="en-US" dirty="0"/>
+              <a:rPr lang="en-US" sz="2800" dirty="0"/>
               <a:t>Tweets from </a:t>
             </a:r>
             <a:r>
-              <a:rPr lang="en-US" dirty="0" err="1"/>
+              <a:rPr lang="en-US" sz="2800" dirty="0" err="1"/>
               <a:t>data.world</a:t>
             </a:r>
-            <a:endParaRPr lang="en-US" dirty="0"/>
+            <a:endParaRPr lang="en-US" sz="2800" dirty="0"/>
           </a:p>
           <a:p>
             <a:pPr lvl="1"/>
             <a:r>
-              <a:rPr lang="en-US" dirty="0"/>
+              <a:rPr lang="en-US" sz="2400" dirty="0"/>
               <a:t>9000 tweets, labeled</a:t>
             </a:r>
           </a:p>
           <a:p>
             <a:pPr lvl="1"/>
             <a:r>
-              <a:rPr lang="en-US" dirty="0"/>
+              <a:rPr lang="en-US" sz="2400" dirty="0"/>
               <a:t>Weighted and evaluated</a:t>
             </a:r>
           </a:p>
           <a:p>
             <a:pPr lvl="1"/>
             <a:r>
-              <a:rPr lang="en-US" dirty="0"/>
+              <a:rPr lang="en-US" sz="2400" dirty="0"/>
               <a:t>Trained on 75% of set, tested on 25%</a:t>
             </a:r>
           </a:p>
@@ -10846,11 +10966,13 @@
         </p:nvSpPr>
         <p:spPr/>
         <p:txBody>
-          <a:bodyPr/>
+          <a:bodyPr>
+            <a:normAutofit/>
+          </a:bodyPr>
           <a:lstStyle/>
           <a:p>
             <a:r>
-              <a:rPr lang="en-US" dirty="0"/>
+              <a:rPr lang="en-US" sz="2800" dirty="0"/>
               <a:t>Naïve Bayesian Multinomial Classifier</a:t>
             </a:r>
           </a:p>
@@ -11058,6 +11180,108 @@
           <p:cNvPr id="2" name="Title 1">
             <a:extLst>
               <a:ext uri="{FF2B5EF4-FFF2-40B4-BE49-F238E27FC236}">
+                <a16:creationId xmlns:a16="http://schemas.microsoft.com/office/drawing/2014/main" id="{43CA30B3-DA46-4C35-8B5C-F60D763D10CE}"/>
+              </a:ext>
+            </a:extLst>
+          </p:cNvPr>
+          <p:cNvSpPr>
+            <a:spLocks noGrp="1"/>
+          </p:cNvSpPr>
+          <p:nvPr>
+            <p:ph type="title"/>
+          </p:nvPr>
+        </p:nvSpPr>
+        <p:spPr/>
+        <p:txBody>
+          <a:bodyPr/>
+          <a:lstStyle/>
+          <a:p>
+            <a:r>
+              <a:rPr lang="en-US" dirty="0"/>
+              <a:t>Business Recommendations</a:t>
+            </a:r>
+          </a:p>
+        </p:txBody>
+      </p:sp>
+      <p:sp>
+        <p:nvSpPr>
+          <p:cNvPr id="3" name="Content Placeholder 2">
+            <a:extLst>
+              <a:ext uri="{FF2B5EF4-FFF2-40B4-BE49-F238E27FC236}">
+                <a16:creationId xmlns:a16="http://schemas.microsoft.com/office/drawing/2014/main" id="{3853D65E-B41C-4446-932A-E9A4007A901A}"/>
+              </a:ext>
+            </a:extLst>
+          </p:cNvPr>
+          <p:cNvSpPr>
+            <a:spLocks noGrp="1"/>
+          </p:cNvSpPr>
+          <p:nvPr>
+            <p:ph idx="1"/>
+          </p:nvPr>
+        </p:nvSpPr>
+        <p:spPr/>
+        <p:txBody>
+          <a:bodyPr>
+            <a:normAutofit/>
+          </a:bodyPr>
+          <a:lstStyle/>
+          <a:p>
+            <a:r>
+              <a:rPr lang="en-US" sz="2800" dirty="0"/>
+              <a:t>Automated system to respond in real time to customer feedback</a:t>
+            </a:r>
+          </a:p>
+          <a:p>
+            <a:pPr lvl="1"/>
+            <a:r>
+              <a:rPr lang="en-US" sz="2400" dirty="0"/>
+              <a:t>Positive feedback receives a positive response</a:t>
+            </a:r>
+          </a:p>
+          <a:p>
+            <a:pPr lvl="1"/>
+            <a:r>
+              <a:rPr lang="en-US" sz="2400" dirty="0"/>
+              <a:t>Negative feedback receives a support offer and apology</a:t>
+            </a:r>
+          </a:p>
+        </p:txBody>
+      </p:sp>
+    </p:spTree>
+    <p:extLst>
+      <p:ext uri="{BB962C8B-B14F-4D97-AF65-F5344CB8AC3E}">
+        <p14:creationId xmlns:p14="http://schemas.microsoft.com/office/powerpoint/2010/main" val="2843301374"/>
+      </p:ext>
+    </p:extLst>
+  </p:cSld>
+  <p:clrMapOvr>
+    <a:masterClrMapping/>
+  </p:clrMapOvr>
+</p:sld>
+</file>
+
+<file path=ppt/slides/slide9.xml><?xml version="1.0" encoding="utf-8"?>
+<p:sld xmlns:a="http://schemas.openxmlformats.org/drawingml/2006/main" xmlns:r="http://schemas.openxmlformats.org/officeDocument/2006/relationships" xmlns:p="http://schemas.openxmlformats.org/presentationml/2006/main">
+  <p:cSld>
+    <p:spTree>
+      <p:nvGrpSpPr>
+        <p:cNvPr id="1" name=""/>
+        <p:cNvGrpSpPr/>
+        <p:nvPr/>
+      </p:nvGrpSpPr>
+      <p:grpSpPr>
+        <a:xfrm>
+          <a:off x="0" y="0"/>
+          <a:ext cx="0" cy="0"/>
+          <a:chOff x="0" y="0"/>
+          <a:chExt cx="0" cy="0"/>
+        </a:xfrm>
+      </p:grpSpPr>
+      <p:sp>
+        <p:nvSpPr>
+          <p:cNvPr id="2" name="Title 1">
+            <a:extLst>
+              <a:ext uri="{FF2B5EF4-FFF2-40B4-BE49-F238E27FC236}">
                 <a16:creationId xmlns:a16="http://schemas.microsoft.com/office/drawing/2014/main" id="{D96B2DE1-EE0F-4E1B-9586-7598AF575204}"/>
               </a:ext>
             </a:extLst>
@@ -11099,23 +11323,25 @@
         </p:nvSpPr>
         <p:spPr/>
         <p:txBody>
-          <a:bodyPr/>
+          <a:bodyPr>
+            <a:normAutofit/>
+          </a:bodyPr>
           <a:lstStyle/>
           <a:p>
             <a:r>
-              <a:rPr lang="en-US" dirty="0"/>
+              <a:rPr lang="en-US" sz="2800" dirty="0"/>
               <a:t>Alternative Classification methods</a:t>
             </a:r>
           </a:p>
           <a:p>
             <a:r>
-              <a:rPr lang="en-US" dirty="0"/>
+              <a:rPr lang="en-US" sz="2800" dirty="0"/>
               <a:t>More Data</a:t>
             </a:r>
           </a:p>
           <a:p>
             <a:r>
-              <a:rPr lang="en-US" dirty="0"/>
+              <a:rPr lang="en-US" sz="2800" dirty="0"/>
               <a:t>More Compute</a:t>
             </a:r>
           </a:p>
@@ -11155,123 +11381,6 @@
     <p:extLst>
       <p:ext uri="{BB962C8B-B14F-4D97-AF65-F5344CB8AC3E}">
         <p14:creationId xmlns:p14="http://schemas.microsoft.com/office/powerpoint/2010/main" val="3053966068"/>
-      </p:ext>
-    </p:extLst>
-  </p:cSld>
-  <p:clrMapOvr>
-    <a:masterClrMapping/>
-  </p:clrMapOvr>
-</p:sld>
-</file>
-
-<file path=ppt/slides/slide9.xml><?xml version="1.0" encoding="utf-8"?>
-<p:sld xmlns:a="http://schemas.openxmlformats.org/drawingml/2006/main" xmlns:r="http://schemas.openxmlformats.org/officeDocument/2006/relationships" xmlns:p="http://schemas.openxmlformats.org/presentationml/2006/main">
-  <p:cSld>
-    <p:spTree>
-      <p:nvGrpSpPr>
-        <p:cNvPr id="1" name=""/>
-        <p:cNvGrpSpPr/>
-        <p:nvPr/>
-      </p:nvGrpSpPr>
-      <p:grpSpPr>
-        <a:xfrm>
-          <a:off x="0" y="0"/>
-          <a:ext cx="0" cy="0"/>
-          <a:chOff x="0" y="0"/>
-          <a:chExt cx="0" cy="0"/>
-        </a:xfrm>
-      </p:grpSpPr>
-      <p:sp>
-        <p:nvSpPr>
-          <p:cNvPr id="2" name="Title 1">
-            <a:extLst>
-              <a:ext uri="{FF2B5EF4-FFF2-40B4-BE49-F238E27FC236}">
-                <a16:creationId xmlns:a16="http://schemas.microsoft.com/office/drawing/2014/main" id="{22248837-71EF-4938-B717-A5EC92F90FA6}"/>
-              </a:ext>
-            </a:extLst>
-          </p:cNvPr>
-          <p:cNvSpPr>
-            <a:spLocks noGrp="1"/>
-          </p:cNvSpPr>
-          <p:nvPr>
-            <p:ph type="title"/>
-          </p:nvPr>
-        </p:nvSpPr>
-        <p:spPr/>
-        <p:txBody>
-          <a:bodyPr/>
-          <a:lstStyle/>
-          <a:p>
-            <a:r>
-              <a:rPr lang="en-US" dirty="0"/>
-              <a:t>Thank You!</a:t>
-            </a:r>
-          </a:p>
-        </p:txBody>
-      </p:sp>
-      <p:pic>
-        <p:nvPicPr>
-          <p:cNvPr id="7" name="Content Placeholder 6">
-            <a:extLst>
-              <a:ext uri="{FF2B5EF4-FFF2-40B4-BE49-F238E27FC236}">
-                <a16:creationId xmlns:a16="http://schemas.microsoft.com/office/drawing/2014/main" id="{7890D334-048A-4579-A60A-6020E01B2B25}"/>
-              </a:ext>
-            </a:extLst>
-          </p:cNvPr>
-          <p:cNvPicPr>
-            <a:picLocks noGrp="1" noChangeAspect="1"/>
-          </p:cNvPicPr>
-          <p:nvPr>
-            <p:ph idx="1"/>
-          </p:nvPr>
-        </p:nvPicPr>
-        <p:blipFill>
-          <a:blip r:embed="rId2"/>
-          <a:stretch>
-            <a:fillRect/>
-          </a:stretch>
-        </p:blipFill>
-        <p:spPr>
-          <a:xfrm>
-            <a:off x="5079344" y="2527636"/>
-            <a:ext cx="2033311" cy="3013356"/>
-          </a:xfrm>
-        </p:spPr>
-      </p:pic>
-      <p:pic>
-        <p:nvPicPr>
-          <p:cNvPr id="5" name="Picture 4">
-            <a:extLst>
-              <a:ext uri="{FF2B5EF4-FFF2-40B4-BE49-F238E27FC236}">
-                <a16:creationId xmlns:a16="http://schemas.microsoft.com/office/drawing/2014/main" id="{330A1F60-2E8A-4B4C-AFD0-447BE075D59D}"/>
-              </a:ext>
-            </a:extLst>
-          </p:cNvPr>
-          <p:cNvPicPr>
-            <a:picLocks noChangeAspect="1"/>
-          </p:cNvPicPr>
-          <p:nvPr/>
-        </p:nvPicPr>
-        <p:blipFill>
-          <a:blip r:embed="rId3"/>
-          <a:stretch>
-            <a:fillRect/>
-          </a:stretch>
-        </p:blipFill>
-        <p:spPr>
-          <a:xfrm>
-            <a:off x="5785076" y="702156"/>
-            <a:ext cx="621846" cy="615749"/>
-          </a:xfrm>
-          <a:prstGeom prst="rect">
-            <a:avLst/>
-          </a:prstGeom>
-        </p:spPr>
-      </p:pic>
-    </p:spTree>
-    <p:extLst>
-      <p:ext uri="{BB962C8B-B14F-4D97-AF65-F5344CB8AC3E}">
-        <p14:creationId xmlns:p14="http://schemas.microsoft.com/office/powerpoint/2010/main" val="404962495"/>
       </p:ext>
     </p:extLst>
   </p:cSld>
